--- a/figures/borr_y1_lemr_genotypes_figure.pptx
+++ b/figures/borr_y1_lemr_genotypes_figure.pptx
@@ -137,18 +137,7 @@
   </p:defaultTextStyle>
   <p:extLst>
     <p:ext uri="{EFAFB233-063F-42B5-8137-9DF3F51BA10A}">
-      <p15:sldGuideLst xmlns:p15="http://schemas.microsoft.com/office/powerpoint/2012/main">
-        <p15:guide id="1" orient="horz" pos="2160" userDrawn="1">
-          <p15:clr>
-            <a:srgbClr val="A4A3A4"/>
-          </p15:clr>
-        </p15:guide>
-        <p15:guide id="2" pos="2880" userDrawn="1">
-          <p15:clr>
-            <a:srgbClr val="A4A3A4"/>
-          </p15:clr>
-        </p15:guide>
-      </p15:sldGuideLst>
+      <p15:sldGuideLst xmlns:p15="http://schemas.microsoft.com/office/powerpoint/2012/main"/>
     </p:ext>
   </p:extLst>
 </p:presentation>
@@ -7551,18 +7540,13 @@
           <a:lstStyle/>
           <a:p>
             <a:r>
-              <a:rPr lang="en-US" sz="1200" dirty="0" err="1">
+              <a:rPr lang="en-US" sz="1200" dirty="0">
                 <a:solidFill>
                   <a:schemeClr val="bg1"/>
                 </a:solidFill>
               </a:rPr>
               <a:t>bc</a:t>
             </a:r>
-            <a:endParaRPr lang="en-US" sz="1200" dirty="0">
-              <a:solidFill>
-                <a:schemeClr val="bg1"/>
-              </a:solidFill>
-            </a:endParaRPr>
           </a:p>
         </p:txBody>
       </p:sp>
